--- a/units/5/lessons/2/resources/petascale-lesson-5.2-slides.pptx
+++ b/units/5/lessons/2/resources/petascale-lesson-5.2-slides.pptx
@@ -10,7 +10,7 @@
   </p:notesMasterIdLst>
   <p:sldIdLst>
     <p:sldId id="270" r:id="rId3"/>
-    <p:sldId id="271" r:id="rId4"/>
+    <p:sldId id="272" r:id="rId4"/>
     <p:sldId id="256" r:id="rId5"/>
     <p:sldId id="257" r:id="rId6"/>
     <p:sldId id="258" r:id="rId7"/>
@@ -257,6 +257,11 @@
       </a:defRPr>
     </a:lvl9pPr>
   </p:defaultTextStyle>
+  <p:extLst>
+    <p:ext uri="{EFAFB233-063F-42B5-8137-9DF3F51BA10A}">
+      <p15:sldGuideLst xmlns:p15="http://schemas.microsoft.com/office/powerpoint/2012/main"/>
+    </p:ext>
+  </p:extLst>
 </p:presentation>
 </file>
 
@@ -12098,15 +12103,7 @@
                 <a:ea typeface="Times New Roman" charset="0"/>
                 <a:cs typeface="Times New Roman" charset="0"/>
               </a:rPr>
-              <a:t>Blue Waters Petascale</a:t>
-            </a:r>
-            <a:r>
-              <a:rPr lang="en-US" sz="2700" b="1" dirty="0">
-                <a:latin typeface="Times New Roman" charset="0"/>
-                <a:ea typeface="Times New Roman" charset="0"/>
-                <a:cs typeface="Times New Roman" charset="0"/>
-              </a:rPr>
-              <a:t> Semester Curriculum v1.0</a:t>
+              <a:t>Blue Waters Petascale Semester Curriculum v1.0</a:t>
             </a:r>
             <a:r>
               <a:rPr lang="en-US" sz="2700" dirty="0">
@@ -12247,11 +12244,6 @@
               </a:rPr>
               <a:t>for the Shodor Education Foundation, Inc.</a:t>
             </a:r>
-            <a:endParaRPr lang="en-US" sz="2700" i="1" dirty="0">
-              <a:latin typeface="Times New Roman" charset="0"/>
-              <a:ea typeface="Times New Roman" charset="0"/>
-              <a:cs typeface="Times New Roman" charset="0"/>
-            </a:endParaRPr>
           </a:p>
         </p:txBody>
       </p:sp>
@@ -20419,7 +20411,7 @@
         </p:nvSpPr>
         <p:spPr>
           <a:xfrm>
-            <a:off x="566059" y="0"/>
+            <a:off x="566057" y="0"/>
             <a:ext cx="8011886" cy="5143500"/>
           </a:xfrm>
         </p:spPr>
@@ -20466,7 +20458,23 @@
                 <a:ea typeface="Times New Roman" charset="0"/>
                 <a:cs typeface="Times New Roman" charset="0"/>
               </a:rPr>
-              <a:t>CC BY-NC 4.0. To view a copy of this license, visit </a:t>
+              <a:t>CC </a:t>
+            </a:r>
+            <a:r>
+              <a:rPr lang="en-US" sz="2100" dirty="0" smtClean="0">
+                <a:latin typeface="Times New Roman" charset="0"/>
+                <a:ea typeface="Times New Roman" charset="0"/>
+                <a:cs typeface="Times New Roman" charset="0"/>
+              </a:rPr>
+              <a:t>BY-SA </a:t>
+            </a:r>
+            <a:r>
+              <a:rPr lang="en-US" sz="2100" dirty="0">
+                <a:latin typeface="Times New Roman" charset="0"/>
+                <a:ea typeface="Times New Roman" charset="0"/>
+                <a:cs typeface="Times New Roman" charset="0"/>
+              </a:rPr>
+              <a:t>4.0. To view a copy of this license, visit </a:t>
             </a:r>
             <a:r>
               <a:rPr lang="en-US" sz="2100" dirty="0">
@@ -20475,7 +20483,16 @@
                 <a:cs typeface="Times New Roman" charset="0"/>
                 <a:hlinkClick r:id="rId2"/>
               </a:rPr>
-              <a:t>https://creativecommons.org/licenses/by-nc/4.0</a:t>
+              <a:t>https://</a:t>
+            </a:r>
+            <a:r>
+              <a:rPr lang="en-US" sz="2100" dirty="0" smtClean="0">
+                <a:latin typeface="Times New Roman" charset="0"/>
+                <a:ea typeface="Times New Roman" charset="0"/>
+                <a:cs typeface="Times New Roman" charset="0"/>
+                <a:hlinkClick r:id="rId2"/>
+              </a:rPr>
+              <a:t>creativecommons.org/licenses/by-sa/4.0</a:t>
             </a:r>
             <a:r>
               <a:rPr lang="en-US" sz="2100" dirty="0">
@@ -20629,20 +20646,13 @@
     </p:spTree>
     <p:extLst>
       <p:ext uri="{BB962C8B-B14F-4D97-AF65-F5344CB8AC3E}">
-        <p14:creationId xmlns:p14="http://schemas.microsoft.com/office/powerpoint/2010/main" val="1820226491"/>
+        <p14:creationId xmlns:p14="http://schemas.microsoft.com/office/powerpoint/2010/main" val="536962173"/>
       </p:ext>
     </p:extLst>
   </p:cSld>
   <p:clrMapOvr>
     <a:masterClrMapping/>
   </p:clrMapOvr>
-  <p:timing>
-    <p:tnLst>
-      <p:par>
-        <p:cTn id="1" dur="indefinite" restart="never" nodeType="tmRoot"/>
-      </p:par>
-    </p:tnLst>
-  </p:timing>
 </p:sld>
 </file>
 
